--- a/51 - O God, Whose Presence Glows in All.pptx
+++ b/51 - O God, Whose Presence Glows in All.pptx
@@ -242,7 +242,7 @@
           <a:p>
             <a:fld id="{32F7251A-AE54-443C-B8FE-5F636E835EBF}" type="datetimeFigureOut">
               <a:rPr lang="en-US" smtClean="0"/>
-              <a:t>4/8/2018</a:t>
+              <a:t>8/2/2020</a:t>
             </a:fld>
             <a:endParaRPr lang="en-US"/>
           </a:p>
@@ -410,7 +410,7 @@
           <a:p>
             <a:fld id="{32F7251A-AE54-443C-B8FE-5F636E835EBF}" type="datetimeFigureOut">
               <a:rPr lang="en-US" smtClean="0"/>
-              <a:t>4/8/2018</a:t>
+              <a:t>8/2/2020</a:t>
             </a:fld>
             <a:endParaRPr lang="en-US"/>
           </a:p>
@@ -588,7 +588,7 @@
           <a:p>
             <a:fld id="{32F7251A-AE54-443C-B8FE-5F636E835EBF}" type="datetimeFigureOut">
               <a:rPr lang="en-US" smtClean="0"/>
-              <a:t>4/8/2018</a:t>
+              <a:t>8/2/2020</a:t>
             </a:fld>
             <a:endParaRPr lang="en-US"/>
           </a:p>
@@ -756,7 +756,7 @@
           <a:p>
             <a:fld id="{32F7251A-AE54-443C-B8FE-5F636E835EBF}" type="datetimeFigureOut">
               <a:rPr lang="en-US" smtClean="0"/>
-              <a:t>4/8/2018</a:t>
+              <a:t>8/2/2020</a:t>
             </a:fld>
             <a:endParaRPr lang="en-US"/>
           </a:p>
@@ -1001,7 +1001,7 @@
           <a:p>
             <a:fld id="{32F7251A-AE54-443C-B8FE-5F636E835EBF}" type="datetimeFigureOut">
               <a:rPr lang="en-US" smtClean="0"/>
-              <a:t>4/8/2018</a:t>
+              <a:t>8/2/2020</a:t>
             </a:fld>
             <a:endParaRPr lang="en-US"/>
           </a:p>
@@ -1230,7 +1230,7 @@
           <a:p>
             <a:fld id="{32F7251A-AE54-443C-B8FE-5F636E835EBF}" type="datetimeFigureOut">
               <a:rPr lang="en-US" smtClean="0"/>
-              <a:t>4/8/2018</a:t>
+              <a:t>8/2/2020</a:t>
             </a:fld>
             <a:endParaRPr lang="en-US"/>
           </a:p>
@@ -1594,7 +1594,7 @@
           <a:p>
             <a:fld id="{32F7251A-AE54-443C-B8FE-5F636E835EBF}" type="datetimeFigureOut">
               <a:rPr lang="en-US" smtClean="0"/>
-              <a:t>4/8/2018</a:t>
+              <a:t>8/2/2020</a:t>
             </a:fld>
             <a:endParaRPr lang="en-US"/>
           </a:p>
@@ -1711,7 +1711,7 @@
           <a:p>
             <a:fld id="{32F7251A-AE54-443C-B8FE-5F636E835EBF}" type="datetimeFigureOut">
               <a:rPr lang="en-US" smtClean="0"/>
-              <a:t>4/8/2018</a:t>
+              <a:t>8/2/2020</a:t>
             </a:fld>
             <a:endParaRPr lang="en-US"/>
           </a:p>
@@ -1806,7 +1806,7 @@
           <a:p>
             <a:fld id="{32F7251A-AE54-443C-B8FE-5F636E835EBF}" type="datetimeFigureOut">
               <a:rPr lang="en-US" smtClean="0"/>
-              <a:t>4/8/2018</a:t>
+              <a:t>8/2/2020</a:t>
             </a:fld>
             <a:endParaRPr lang="en-US"/>
           </a:p>
@@ -2081,7 +2081,7 @@
           <a:p>
             <a:fld id="{32F7251A-AE54-443C-B8FE-5F636E835EBF}" type="datetimeFigureOut">
               <a:rPr lang="en-US" smtClean="0"/>
-              <a:t>4/8/2018</a:t>
+              <a:t>8/2/2020</a:t>
             </a:fld>
             <a:endParaRPr lang="en-US"/>
           </a:p>
@@ -2333,7 +2333,7 @@
           <a:p>
             <a:fld id="{32F7251A-AE54-443C-B8FE-5F636E835EBF}" type="datetimeFigureOut">
               <a:rPr lang="en-US" smtClean="0"/>
-              <a:t>4/8/2018</a:t>
+              <a:t>8/2/2020</a:t>
             </a:fld>
             <a:endParaRPr lang="en-US"/>
           </a:p>
@@ -2400,7 +2400,9 @@
     <p:bg>
       <p:bgPr>
         <a:solidFill>
-          <a:srgbClr val="333333"/>
+          <a:schemeClr val="bg1">
+            <a:lumMod val="10000"/>
+          </a:schemeClr>
         </a:solidFill>
         <a:effectLst/>
       </p:bgPr>
@@ -2547,7 +2549,7 @@
           <a:p>
             <a:fld id="{32F7251A-AE54-443C-B8FE-5F636E835EBF}" type="datetimeFigureOut">
               <a:rPr lang="en-US" smtClean="0"/>
-              <a:t>4/8/2018</a:t>
+              <a:t>8/2/2020</a:t>
             </a:fld>
             <a:endParaRPr lang="en-US"/>
           </a:p>
@@ -3017,8 +3019,8 @@
         </p:nvSpPr>
         <p:spPr>
           <a:xfrm>
-            <a:off x="0" y="5804209"/>
-            <a:ext cx="12192000" cy="830997"/>
+            <a:off x="0" y="5927320"/>
+            <a:ext cx="12192000" cy="584775"/>
           </a:xfrm>
           <a:prstGeom prst="rect">
             <a:avLst/>
@@ -3033,10 +3035,12 @@
           <a:p>
             <a:pPr algn="ctr"/>
             <a:r>
-              <a:rPr lang="en-US" sz="4800" dirty="0">
+              <a:rPr lang="en-US" sz="3200" u="sng" dirty="0">
                 <a:solidFill>
                   <a:schemeClr val="bg1"/>
                 </a:solidFill>
+                <a:latin typeface="Assistant SemiBold" panose="00000700000000000000" pitchFamily="2" charset="-79"/>
+                <a:cs typeface="Assistant SemiBold" panose="00000700000000000000" pitchFamily="2" charset="-79"/>
               </a:rPr>
               <a:t>“O God, Whose Presence Glows in All”</a:t>
             </a:r>
@@ -3051,8 +3055,8 @@
         </p:nvSpPr>
         <p:spPr>
           <a:xfrm>
-            <a:off x="0" y="326680"/>
-            <a:ext cx="12192000" cy="5078313"/>
+            <a:off x="0" y="729571"/>
+            <a:ext cx="12192000" cy="3970318"/>
           </a:xfrm>
           <a:prstGeom prst="rect">
             <a:avLst/>
@@ -3067,10 +3071,12 @@
           <a:p>
             <a:pPr algn="ctr"/>
             <a:r>
-              <a:rPr lang="en-US" sz="3600" dirty="0">
+              <a:rPr lang="en-US" sz="2800" spc="50" dirty="0">
                 <a:solidFill>
                   <a:schemeClr val="bg1"/>
                 </a:solidFill>
+                <a:latin typeface="Assistant" panose="00000500000000000000" pitchFamily="2" charset="-79"/>
+                <a:cs typeface="Assistant" panose="00000500000000000000" pitchFamily="2" charset="-79"/>
               </a:rPr>
               <a:t>O God, whose presence glows in all—</a:t>
             </a:r>
@@ -3078,10 +3084,12 @@
           <a:p>
             <a:pPr algn="ctr"/>
             <a:r>
-              <a:rPr lang="en-US" sz="3600" dirty="0">
+              <a:rPr lang="en-US" sz="2800" spc="50" dirty="0">
                 <a:solidFill>
                   <a:schemeClr val="bg1"/>
                 </a:solidFill>
+                <a:latin typeface="Assistant" panose="00000500000000000000" pitchFamily="2" charset="-79"/>
+                <a:cs typeface="Assistant" panose="00000500000000000000" pitchFamily="2" charset="-79"/>
               </a:rPr>
               <a:t>Within, around us, and above!</a:t>
             </a:r>
@@ -3089,10 +3097,12 @@
           <a:p>
             <a:pPr algn="ctr"/>
             <a:r>
-              <a:rPr lang="en-US" sz="3600" dirty="0">
+              <a:rPr lang="en-US" sz="2800" spc="50" dirty="0">
                 <a:solidFill>
                   <a:schemeClr val="bg1"/>
                 </a:solidFill>
+                <a:latin typeface="Assistant" panose="00000500000000000000" pitchFamily="2" charset="-79"/>
+                <a:cs typeface="Assistant" panose="00000500000000000000" pitchFamily="2" charset="-79"/>
               </a:rPr>
               <a:t>Thy word we bless, Thy name we call,</a:t>
             </a:r>
@@ -3100,29 +3110,35 @@
           <a:p>
             <a:pPr algn="ctr"/>
             <a:r>
-              <a:rPr lang="en-US" sz="3600" dirty="0">
+              <a:rPr lang="en-US" sz="2800" spc="50" dirty="0">
                 <a:solidFill>
                   <a:schemeClr val="bg1"/>
                 </a:solidFill>
+                <a:latin typeface="Assistant" panose="00000500000000000000" pitchFamily="2" charset="-79"/>
+                <a:cs typeface="Assistant" panose="00000500000000000000" pitchFamily="2" charset="-79"/>
               </a:rPr>
               <a:t>Whose word is Truth whose name is Love.</a:t>
             </a:r>
           </a:p>
           <a:p>
             <a:pPr algn="ctr"/>
-            <a:endParaRPr lang="en-US" sz="3600" dirty="0">
+            <a:endParaRPr lang="en-US" sz="2800" spc="50" dirty="0">
               <a:solidFill>
                 <a:schemeClr val="bg1"/>
               </a:solidFill>
+              <a:latin typeface="Assistant" panose="00000500000000000000" pitchFamily="2" charset="-79"/>
+              <a:cs typeface="Assistant" panose="00000500000000000000" pitchFamily="2" charset="-79"/>
             </a:endParaRPr>
           </a:p>
           <a:p>
             <a:pPr algn="ctr"/>
             <a:r>
-              <a:rPr lang="en-US" sz="3600" dirty="0">
+              <a:rPr lang="en-US" sz="2800" spc="50" dirty="0">
                 <a:solidFill>
                   <a:schemeClr val="bg1"/>
                 </a:solidFill>
+                <a:latin typeface="Assistant" panose="00000500000000000000" pitchFamily="2" charset="-79"/>
+                <a:cs typeface="Assistant" panose="00000500000000000000" pitchFamily="2" charset="-79"/>
               </a:rPr>
               <a:t>Thy truth be with the heart believed</a:t>
             </a:r>
@@ -3130,10 +3146,12 @@
           <a:p>
             <a:pPr algn="ctr"/>
             <a:r>
-              <a:rPr lang="en-US" sz="3600" dirty="0">
+              <a:rPr lang="en-US" sz="2800" spc="50" dirty="0">
                 <a:solidFill>
                   <a:schemeClr val="bg1"/>
                 </a:solidFill>
+                <a:latin typeface="Assistant" panose="00000500000000000000" pitchFamily="2" charset="-79"/>
+                <a:cs typeface="Assistant" panose="00000500000000000000" pitchFamily="2" charset="-79"/>
               </a:rPr>
               <a:t>By all who seek this sacred place;</a:t>
             </a:r>
@@ -3141,10 +3159,12 @@
           <a:p>
             <a:pPr algn="ctr"/>
             <a:r>
-              <a:rPr lang="en-US" sz="3600" dirty="0">
+              <a:rPr lang="en-US" sz="2800" spc="50" dirty="0">
                 <a:solidFill>
                   <a:schemeClr val="bg1"/>
                 </a:solidFill>
+                <a:latin typeface="Assistant" panose="00000500000000000000" pitchFamily="2" charset="-79"/>
+                <a:cs typeface="Assistant" panose="00000500000000000000" pitchFamily="2" charset="-79"/>
               </a:rPr>
               <a:t>With power proclaimed, in peace receive,</a:t>
             </a:r>
@@ -3152,10 +3172,12 @@
           <a:p>
             <a:pPr algn="ctr"/>
             <a:r>
-              <a:rPr lang="en-US" sz="3600" dirty="0">
+              <a:rPr lang="en-US" sz="2800" spc="50" dirty="0">
                 <a:solidFill>
                   <a:schemeClr val="bg1"/>
                 </a:solidFill>
+                <a:latin typeface="Assistant" panose="00000500000000000000" pitchFamily="2" charset="-79"/>
+                <a:cs typeface="Assistant" panose="00000500000000000000" pitchFamily="2" charset="-79"/>
               </a:rPr>
               <a:t>Our spirits’ light Thy Spirit’s grace.</a:t>
             </a:r>
@@ -3257,8 +3279,8 @@
         </p:nvSpPr>
         <p:spPr>
           <a:xfrm>
-            <a:off x="0" y="5804209"/>
-            <a:ext cx="12192000" cy="830997"/>
+            <a:off x="0" y="5927320"/>
+            <a:ext cx="12192000" cy="584775"/>
           </a:xfrm>
           <a:prstGeom prst="rect">
             <a:avLst/>
@@ -3273,10 +3295,12 @@
           <a:p>
             <a:pPr algn="ctr"/>
             <a:r>
-              <a:rPr lang="en-US" sz="4800" dirty="0">
+              <a:rPr lang="en-US" sz="3200" u="sng" dirty="0">
                 <a:solidFill>
                   <a:schemeClr val="bg1"/>
                 </a:solidFill>
+                <a:latin typeface="Assistant SemiBold" panose="00000700000000000000" pitchFamily="2" charset="-79"/>
+                <a:cs typeface="Assistant SemiBold" panose="00000700000000000000" pitchFamily="2" charset="-79"/>
               </a:rPr>
               <a:t>“O God, Whose Presence Glows in All”</a:t>
             </a:r>
@@ -3291,8 +3315,8 @@
         </p:nvSpPr>
         <p:spPr>
           <a:xfrm>
-            <a:off x="0" y="326680"/>
-            <a:ext cx="12192000" cy="5078313"/>
+            <a:off x="0" y="729571"/>
+            <a:ext cx="12192000" cy="3970318"/>
           </a:xfrm>
           <a:prstGeom prst="rect">
             <a:avLst/>
@@ -3307,10 +3331,12 @@
           <a:p>
             <a:pPr algn="ctr"/>
             <a:r>
-              <a:rPr lang="en-US" sz="3600" dirty="0">
+              <a:rPr lang="en-US" sz="2800" spc="50" dirty="0">
                 <a:solidFill>
                   <a:schemeClr val="bg1"/>
                 </a:solidFill>
+                <a:latin typeface="Assistant" panose="00000500000000000000" pitchFamily="2" charset="-79"/>
+                <a:cs typeface="Assistant" panose="00000500000000000000" pitchFamily="2" charset="-79"/>
               </a:rPr>
               <a:t>Thy love its holy influence pour</a:t>
             </a:r>
@@ -3318,10 +3344,12 @@
           <a:p>
             <a:pPr algn="ctr"/>
             <a:r>
-              <a:rPr lang="en-US" sz="3600" dirty="0">
+              <a:rPr lang="en-US" sz="2800" spc="50" dirty="0">
                 <a:solidFill>
                   <a:schemeClr val="bg1"/>
                 </a:solidFill>
+                <a:latin typeface="Assistant" panose="00000500000000000000" pitchFamily="2" charset="-79"/>
+                <a:cs typeface="Assistant" panose="00000500000000000000" pitchFamily="2" charset="-79"/>
               </a:rPr>
               <a:t>To keep us meek and make us free,</a:t>
             </a:r>
@@ -3329,10 +3357,12 @@
           <a:p>
             <a:pPr algn="ctr"/>
             <a:r>
-              <a:rPr lang="en-US" sz="3600" dirty="0">
+              <a:rPr lang="en-US" sz="2800" spc="50" dirty="0">
                 <a:solidFill>
                   <a:schemeClr val="bg1"/>
                 </a:solidFill>
+                <a:latin typeface="Assistant" panose="00000500000000000000" pitchFamily="2" charset="-79"/>
+                <a:cs typeface="Assistant" panose="00000500000000000000" pitchFamily="2" charset="-79"/>
               </a:rPr>
               <a:t>And throw its binding blessing more</a:t>
             </a:r>
@@ -3340,29 +3370,35 @@
           <a:p>
             <a:pPr algn="ctr"/>
             <a:r>
-              <a:rPr lang="en-US" sz="3600" dirty="0">
+              <a:rPr lang="en-US" sz="2800" spc="50" dirty="0">
                 <a:solidFill>
                   <a:schemeClr val="bg1"/>
                 </a:solidFill>
+                <a:latin typeface="Assistant" panose="00000500000000000000" pitchFamily="2" charset="-79"/>
+                <a:cs typeface="Assistant" panose="00000500000000000000" pitchFamily="2" charset="-79"/>
               </a:rPr>
               <a:t>Round each with all with Thee.</a:t>
             </a:r>
           </a:p>
           <a:p>
             <a:pPr algn="ctr"/>
-            <a:endParaRPr lang="en-US" sz="3600" dirty="0">
+            <a:endParaRPr lang="en-US" sz="2800" spc="50" dirty="0">
               <a:solidFill>
                 <a:schemeClr val="bg1"/>
               </a:solidFill>
+              <a:latin typeface="Assistant" panose="00000500000000000000" pitchFamily="2" charset="-79"/>
+              <a:cs typeface="Assistant" panose="00000500000000000000" pitchFamily="2" charset="-79"/>
             </a:endParaRPr>
           </a:p>
           <a:p>
             <a:pPr algn="ctr"/>
             <a:r>
-              <a:rPr lang="en-US" sz="3600" dirty="0">
+              <a:rPr lang="en-US" sz="2800" spc="50" dirty="0">
                 <a:solidFill>
                   <a:schemeClr val="bg1"/>
                 </a:solidFill>
+                <a:latin typeface="Assistant" panose="00000500000000000000" pitchFamily="2" charset="-79"/>
+                <a:cs typeface="Assistant" panose="00000500000000000000" pitchFamily="2" charset="-79"/>
               </a:rPr>
               <a:t>Send down its angels to our side,</a:t>
             </a:r>
@@ -3370,10 +3406,12 @@
           <a:p>
             <a:pPr algn="ctr"/>
             <a:r>
-              <a:rPr lang="en-US" sz="3600" dirty="0">
+              <a:rPr lang="en-US" sz="2800" spc="50" dirty="0">
                 <a:solidFill>
                   <a:schemeClr val="bg1"/>
                 </a:solidFill>
+                <a:latin typeface="Assistant" panose="00000500000000000000" pitchFamily="2" charset="-79"/>
+                <a:cs typeface="Assistant" panose="00000500000000000000" pitchFamily="2" charset="-79"/>
               </a:rPr>
               <a:t>Send in its calm upon each breast;</a:t>
             </a:r>
@@ -3381,10 +3419,12 @@
           <a:p>
             <a:pPr algn="ctr"/>
             <a:r>
-              <a:rPr lang="en-US" sz="3600" dirty="0">
+              <a:rPr lang="en-US" sz="2800" spc="50" dirty="0">
                 <a:solidFill>
                   <a:schemeClr val="bg1"/>
                 </a:solidFill>
+                <a:latin typeface="Assistant" panose="00000500000000000000" pitchFamily="2" charset="-79"/>
+                <a:cs typeface="Assistant" panose="00000500000000000000" pitchFamily="2" charset="-79"/>
               </a:rPr>
               <a:t>For we would know no other guide,</a:t>
             </a:r>
@@ -3392,10 +3432,12 @@
           <a:p>
             <a:pPr algn="ctr"/>
             <a:r>
-              <a:rPr lang="en-US" sz="3600" dirty="0">
+              <a:rPr lang="en-US" sz="2800" spc="50" dirty="0">
                 <a:solidFill>
                   <a:schemeClr val="bg1"/>
                 </a:solidFill>
+                <a:latin typeface="Assistant" panose="00000500000000000000" pitchFamily="2" charset="-79"/>
+                <a:cs typeface="Assistant" panose="00000500000000000000" pitchFamily="2" charset="-79"/>
               </a:rPr>
               <a:t>And we can need no other rest.</a:t>
             </a:r>
